--- a/Project PPT/2016_GameEngineProject_ASG 3차.pptx
+++ b/Project PPT/2016_GameEngineProject_ASG 3차.pptx
@@ -10,7 +10,7 @@
     <p:sldId id="262" r:id="rId4"/>
     <p:sldId id="264" r:id="rId5"/>
     <p:sldId id="265" r:id="rId6"/>
-    <p:sldId id="258" r:id="rId7"/>
+    <p:sldId id="266" r:id="rId7"/>
     <p:sldId id="261" r:id="rId8"/>
   </p:sldIdLst>
   <p:sldSz cx="9144000" cy="6858000" type="screen4x3"/>
@@ -294,7 +294,7 @@
           <a:p>
             <a:fld id="{AD2B6B08-2961-4C82-AFD2-603F63945D72}" type="datetimeFigureOut">
               <a:rPr lang="ko-KR" altLang="en-US" smtClean="0"/>
-              <a:t>2016-05-31</a:t>
+              <a:t>2016-06-22</a:t>
             </a:fld>
             <a:endParaRPr lang="ko-KR" altLang="en-US" dirty="0"/>
           </a:p>
@@ -464,7 +464,7 @@
           <a:p>
             <a:fld id="{AD2B6B08-2961-4C82-AFD2-603F63945D72}" type="datetimeFigureOut">
               <a:rPr lang="ko-KR" altLang="en-US" smtClean="0"/>
-              <a:t>2016-05-31</a:t>
+              <a:t>2016-06-22</a:t>
             </a:fld>
             <a:endParaRPr lang="ko-KR" altLang="en-US" dirty="0"/>
           </a:p>
@@ -644,7 +644,7 @@
           <a:p>
             <a:fld id="{AD2B6B08-2961-4C82-AFD2-603F63945D72}" type="datetimeFigureOut">
               <a:rPr lang="ko-KR" altLang="en-US" smtClean="0"/>
-              <a:t>2016-05-31</a:t>
+              <a:t>2016-06-22</a:t>
             </a:fld>
             <a:endParaRPr lang="ko-KR" altLang="en-US" dirty="0"/>
           </a:p>
@@ -814,7 +814,7 @@
           <a:p>
             <a:fld id="{AD2B6B08-2961-4C82-AFD2-603F63945D72}" type="datetimeFigureOut">
               <a:rPr lang="ko-KR" altLang="en-US" smtClean="0"/>
-              <a:t>2016-05-31</a:t>
+              <a:t>2016-06-22</a:t>
             </a:fld>
             <a:endParaRPr lang="ko-KR" altLang="en-US" dirty="0"/>
           </a:p>
@@ -1060,7 +1060,7 @@
           <a:p>
             <a:fld id="{AD2B6B08-2961-4C82-AFD2-603F63945D72}" type="datetimeFigureOut">
               <a:rPr lang="ko-KR" altLang="en-US" smtClean="0"/>
-              <a:t>2016-05-31</a:t>
+              <a:t>2016-06-22</a:t>
             </a:fld>
             <a:endParaRPr lang="ko-KR" altLang="en-US" dirty="0"/>
           </a:p>
@@ -1348,7 +1348,7 @@
           <a:p>
             <a:fld id="{AD2B6B08-2961-4C82-AFD2-603F63945D72}" type="datetimeFigureOut">
               <a:rPr lang="ko-KR" altLang="en-US" smtClean="0"/>
-              <a:t>2016-05-31</a:t>
+              <a:t>2016-06-22</a:t>
             </a:fld>
             <a:endParaRPr lang="ko-KR" altLang="en-US" dirty="0"/>
           </a:p>
@@ -1770,7 +1770,7 @@
           <a:p>
             <a:fld id="{AD2B6B08-2961-4C82-AFD2-603F63945D72}" type="datetimeFigureOut">
               <a:rPr lang="ko-KR" altLang="en-US" smtClean="0"/>
-              <a:t>2016-05-31</a:t>
+              <a:t>2016-06-22</a:t>
             </a:fld>
             <a:endParaRPr lang="ko-KR" altLang="en-US" dirty="0"/>
           </a:p>
@@ -1888,7 +1888,7 @@
           <a:p>
             <a:fld id="{AD2B6B08-2961-4C82-AFD2-603F63945D72}" type="datetimeFigureOut">
               <a:rPr lang="ko-KR" altLang="en-US" smtClean="0"/>
-              <a:t>2016-05-31</a:t>
+              <a:t>2016-06-22</a:t>
             </a:fld>
             <a:endParaRPr lang="ko-KR" altLang="en-US" dirty="0"/>
           </a:p>
@@ -1983,7 +1983,7 @@
           <a:p>
             <a:fld id="{AD2B6B08-2961-4C82-AFD2-603F63945D72}" type="datetimeFigureOut">
               <a:rPr lang="ko-KR" altLang="en-US" smtClean="0"/>
-              <a:t>2016-05-31</a:t>
+              <a:t>2016-06-22</a:t>
             </a:fld>
             <a:endParaRPr lang="ko-KR" altLang="en-US" dirty="0"/>
           </a:p>
@@ -2260,7 +2260,7 @@
           <a:p>
             <a:fld id="{AD2B6B08-2961-4C82-AFD2-603F63945D72}" type="datetimeFigureOut">
               <a:rPr lang="ko-KR" altLang="en-US" smtClean="0"/>
-              <a:t>2016-05-31</a:t>
+              <a:t>2016-06-22</a:t>
             </a:fld>
             <a:endParaRPr lang="ko-KR" altLang="en-US" dirty="0"/>
           </a:p>
@@ -2513,7 +2513,7 @@
           <a:p>
             <a:fld id="{AD2B6B08-2961-4C82-AFD2-603F63945D72}" type="datetimeFigureOut">
               <a:rPr lang="ko-KR" altLang="en-US" smtClean="0"/>
-              <a:t>2016-05-31</a:t>
+              <a:t>2016-06-22</a:t>
             </a:fld>
             <a:endParaRPr lang="ko-KR" altLang="en-US" dirty="0"/>
           </a:p>
@@ -2726,7 +2726,7 @@
           <a:p>
             <a:fld id="{AD2B6B08-2961-4C82-AFD2-603F63945D72}" type="datetimeFigureOut">
               <a:rPr lang="ko-KR" altLang="en-US" smtClean="0"/>
-              <a:t>2016-05-31</a:t>
+              <a:t>2016-06-22</a:t>
             </a:fld>
             <a:endParaRPr lang="ko-KR" altLang="en-US" dirty="0"/>
           </a:p>
@@ -3205,17 +3205,7 @@
                 <a:latin typeface="Adobe 고딕 Std B" pitchFamily="34" charset="-127"/>
                 <a:ea typeface="Adobe 고딕 Std B" pitchFamily="34" charset="-127"/>
               </a:rPr>
-              <a:t>3D </a:t>
-            </a:r>
-            <a:r>
-              <a:rPr lang="en-US" altLang="ko-KR" sz="7200" b="1" dirty="0" smtClean="0">
-                <a:solidFill>
-                  <a:srgbClr val="0070C0"/>
-                </a:solidFill>
-                <a:latin typeface="Adobe 고딕 Std B" pitchFamily="34" charset="-127"/>
-                <a:ea typeface="Adobe 고딕 Std B" pitchFamily="34" charset="-127"/>
-              </a:rPr>
-              <a:t>Simple Avoid</a:t>
+              <a:t>3D Simple Avoid</a:t>
             </a:r>
             <a:endParaRPr lang="ko-KR" altLang="en-US" sz="7200" b="1" dirty="0">
               <a:solidFill>
@@ -3614,7 +3604,7 @@
         <p:spPr>
           <a:xfrm>
             <a:off x="467544" y="2204864"/>
-            <a:ext cx="5904656" cy="1815882"/>
+            <a:ext cx="5904656" cy="1384995"/>
           </a:xfrm>
           <a:prstGeom prst="rect">
             <a:avLst/>
@@ -3652,47 +3642,28 @@
                 <a:latin typeface="Adobe 고딕 Std B" pitchFamily="34" charset="-127"/>
                 <a:ea typeface="Adobe 고딕 Std B" pitchFamily="34" charset="-127"/>
               </a:rPr>
-              <a:t>● 게임 </a:t>
+              <a:t>● 게임 개발 범위 및 개발 진행 </a:t>
             </a:r>
             <a:r>
               <a:rPr lang="ko-KR" altLang="en-US" sz="2800" dirty="0" smtClean="0">
                 <a:latin typeface="Adobe 고딕 Std B" pitchFamily="34" charset="-127"/>
                 <a:ea typeface="Adobe 고딕 Std B" pitchFamily="34" charset="-127"/>
               </a:rPr>
-              <a:t>개발 범위 및 개발 진행 내용</a:t>
-            </a:r>
-            <a:endParaRPr lang="en-US" altLang="ko-KR" sz="2800" dirty="0" smtClean="0">
-              <a:latin typeface="Adobe 고딕 Std B" pitchFamily="34" charset="-127"/>
-              <a:ea typeface="Adobe 고딕 Std B" pitchFamily="34" charset="-127"/>
-            </a:endParaRPr>
-          </a:p>
-          <a:p>
+              <a:t>내용● </a:t>
+            </a:r>
             <a:r>
               <a:rPr lang="ko-KR" altLang="en-US" sz="2800" dirty="0" smtClean="0">
                 <a:latin typeface="Adobe 고딕 Std B" pitchFamily="34" charset="-127"/>
                 <a:ea typeface="Adobe 고딕 Std B" pitchFamily="34" charset="-127"/>
               </a:rPr>
-              <a:t>● 게임 </a:t>
+              <a:t>게임 </a:t>
             </a:r>
             <a:r>
               <a:rPr lang="ko-KR" altLang="en-US" sz="2800" dirty="0" smtClean="0">
                 <a:latin typeface="Adobe 고딕 Std B" pitchFamily="34" charset="-127"/>
                 <a:ea typeface="Adobe 고딕 Std B" pitchFamily="34" charset="-127"/>
               </a:rPr>
-              <a:t>실행 흐름</a:t>
-            </a:r>
-            <a:endParaRPr lang="en-US" altLang="ko-KR" sz="2800" dirty="0" smtClean="0">
-              <a:latin typeface="Adobe 고딕 Std B" pitchFamily="34" charset="-127"/>
-              <a:ea typeface="Adobe 고딕 Std B" pitchFamily="34" charset="-127"/>
-            </a:endParaRPr>
-          </a:p>
-          <a:p>
-            <a:r>
-              <a:rPr lang="ko-KR" altLang="en-US" sz="2800" dirty="0" smtClean="0">
-                <a:latin typeface="Adobe 고딕 Std B" pitchFamily="34" charset="-127"/>
-                <a:ea typeface="Adobe 고딕 Std B" pitchFamily="34" charset="-127"/>
-              </a:rPr>
-              <a:t>● 게임 데모 실행</a:t>
+              <a:t>실행</a:t>
             </a:r>
             <a:endParaRPr lang="ko-KR" altLang="en-US" sz="2800" dirty="0">
               <a:latin typeface="Adobe 고딕 Std B" pitchFamily="34" charset="-127"/>
@@ -4448,15 +4419,7 @@
                   <a:schemeClr val="bg1"/>
                 </a:solidFill>
               </a:rPr>
-              <a:t>개발 </a:t>
-            </a:r>
-            <a:r>
-              <a:rPr lang="ko-KR" altLang="en-US" sz="4000" b="1" dirty="0" smtClean="0">
-                <a:solidFill>
-                  <a:schemeClr val="bg1"/>
-                </a:solidFill>
-              </a:rPr>
-              <a:t>범위 및 개발 진행 내용</a:t>
+              <a:t>개발 범위 및 개발 진행 내용</a:t>
             </a:r>
             <a:endParaRPr lang="ko-KR" altLang="en-US" sz="4000" b="1" dirty="0">
               <a:solidFill>
@@ -4571,14 +4534,7 @@
                           <a:latin typeface="Adobe 고딕 Std B" pitchFamily="34" charset="-127"/>
                           <a:ea typeface="Adobe 고딕 Std B" pitchFamily="34" charset="-127"/>
                         </a:rPr>
-                        <a:t>사방이 막힌 </a:t>
-                      </a:r>
-                      <a:r>
-                        <a:rPr lang="ko-KR" altLang="en-US" sz="1400" dirty="0" smtClean="0">
-                          <a:latin typeface="Adobe 고딕 Std B" pitchFamily="34" charset="-127"/>
-                          <a:ea typeface="Adobe 고딕 Std B" pitchFamily="34" charset="-127"/>
-                        </a:rPr>
-                        <a:t>사각형태의 지상</a:t>
+                        <a:t>사방이 막힌 사각형태의 지상</a:t>
                       </a:r>
                       <a:endParaRPr lang="en-US" altLang="ko-KR" sz="1400" dirty="0" smtClean="0">
                         <a:latin typeface="Adobe 고딕 Std B" pitchFamily="34" charset="-127"/>
@@ -5354,15 +5310,7 @@
                   <a:schemeClr val="bg1"/>
                 </a:solidFill>
               </a:rPr>
-              <a:t>개발 </a:t>
-            </a:r>
-            <a:r>
-              <a:rPr lang="ko-KR" altLang="en-US" sz="4000" b="1" dirty="0" smtClean="0">
-                <a:solidFill>
-                  <a:schemeClr val="bg1"/>
-                </a:solidFill>
-              </a:rPr>
-              <a:t>범위 및 개발 진행 내용</a:t>
+              <a:t>개발 범위 및 개발 진행 내용</a:t>
             </a:r>
             <a:endParaRPr lang="ko-KR" altLang="en-US" sz="4000" b="1" dirty="0">
               <a:solidFill>
@@ -5381,14 +5329,14 @@
           <p:nvPr>
             <p:extLst>
               <p:ext uri="{D42A27DB-BD31-4B8C-83A1-F6EECF244321}">
-                <p14:modId xmlns:p14="http://schemas.microsoft.com/office/powerpoint/2010/main" val="2406827949"/>
+                <p14:modId xmlns:p14="http://schemas.microsoft.com/office/powerpoint/2010/main" val="79233650"/>
               </p:ext>
             </p:extLst>
           </p:nvPr>
         </p:nvGraphicFramePr>
         <p:xfrm>
-          <a:off x="899592" y="1700808"/>
-          <a:ext cx="6552727" cy="3605042"/>
+          <a:off x="718394" y="1700808"/>
+          <a:ext cx="7526014" cy="3970802"/>
         </p:xfrm>
         <a:graphic>
           <a:graphicData uri="http://schemas.openxmlformats.org/drawingml/2006/table">
@@ -5397,8 +5345,8 @@
                 <a:tableStyleId>{7DF18680-E054-41AD-8BC1-D1AEF772440D}</a:tableStyleId>
               </a:tblPr>
               <a:tblGrid>
-                <a:gridCol w="1846902"/>
-                <a:gridCol w="4705825"/>
+                <a:gridCol w="2121225"/>
+                <a:gridCol w="5404789"/>
               </a:tblGrid>
               <a:tr h="503237">
                 <a:tc>
@@ -5452,13 +5400,13 @@
                     <a:p>
                       <a:pPr algn="ctr" latinLnBrk="1"/>
                       <a:r>
-                        <a:rPr lang="en-US" altLang="ko-KR" sz="1400" dirty="0" err="1" smtClean="0">
-                          <a:latin typeface="Adobe 고딕 Std B" pitchFamily="34" charset="-127"/>
-                          <a:ea typeface="Adobe 고딕 Std B" pitchFamily="34" charset="-127"/>
-                        </a:rPr>
-                        <a:t>GameFrameWork</a:t>
-                      </a:r>
-                      <a:endParaRPr lang="ko-KR" altLang="en-US" sz="1400" dirty="0">
+                        <a:rPr lang="ko-KR" altLang="en-US" sz="1800" dirty="0" smtClean="0">
+                          <a:latin typeface="Adobe 고딕 Std B" pitchFamily="34" charset="-127"/>
+                          <a:ea typeface="Adobe 고딕 Std B" pitchFamily="34" charset="-127"/>
+                        </a:rPr>
+                        <a:t>메인 메뉴</a:t>
+                      </a:r>
+                      <a:endParaRPr lang="ko-KR" altLang="en-US" sz="1800" dirty="0">
                         <a:latin typeface="Adobe 고딕 Std B" pitchFamily="34" charset="-127"/>
                         <a:ea typeface="Adobe 고딕 Std B" pitchFamily="34" charset="-127"/>
                       </a:endParaRPr>
@@ -5477,42 +5425,56 @@
                           <a:latin typeface="Adobe 고딕 Std B" pitchFamily="34" charset="-127"/>
                           <a:ea typeface="Adobe 고딕 Std B" pitchFamily="34" charset="-127"/>
                         </a:rPr>
-                        <a:t>원활한 게임 개발을 위해</a:t>
-                      </a:r>
-                      <a:endParaRPr lang="en-US" altLang="ko-KR" sz="1400" dirty="0" smtClean="0">
-                        <a:latin typeface="Adobe 고딕 Std B" pitchFamily="34" charset="-127"/>
-                        <a:ea typeface="Adobe 고딕 Std B" pitchFamily="34" charset="-127"/>
-                      </a:endParaRPr>
-                    </a:p>
-                    <a:p>
-                      <a:pPr algn="ctr" latinLnBrk="1"/>
+                        <a:t>타이틀 화면</a:t>
+                      </a:r>
+                      <a:r>
+                        <a:rPr lang="en-US" altLang="ko-KR" sz="1400" dirty="0" smtClean="0">
+                          <a:latin typeface="Adobe 고딕 Std B" pitchFamily="34" charset="-127"/>
+                          <a:ea typeface="Adobe 고딕 Std B" pitchFamily="34" charset="-127"/>
+                        </a:rPr>
+                        <a:t>, </a:t>
+                      </a:r>
+                      <a:r>
+                        <a:rPr lang="en-US" altLang="ko-KR" sz="1400" dirty="0" err="1" smtClean="0">
+                          <a:latin typeface="Adobe 고딕 Std B" pitchFamily="34" charset="-127"/>
+                          <a:ea typeface="Adobe 고딕 Std B" pitchFamily="34" charset="-127"/>
+                        </a:rPr>
+                        <a:t>GameOver</a:t>
+                      </a:r>
+                      <a:r>
+                        <a:rPr lang="en-US" altLang="ko-KR" sz="1400" dirty="0" smtClean="0">
+                          <a:latin typeface="Adobe 고딕 Std B" pitchFamily="34" charset="-127"/>
+                          <a:ea typeface="Adobe 고딕 Std B" pitchFamily="34" charset="-127"/>
+                        </a:rPr>
+                        <a:t> </a:t>
+                      </a:r>
                       <a:r>
                         <a:rPr lang="ko-KR" altLang="en-US" sz="1400" dirty="0" smtClean="0">
                           <a:latin typeface="Adobe 고딕 Std B" pitchFamily="34" charset="-127"/>
                           <a:ea typeface="Adobe 고딕 Std B" pitchFamily="34" charset="-127"/>
                         </a:rPr>
+                        <a:t>화면</a:t>
+                      </a:r>
+                      <a:r>
+                        <a:rPr lang="en-US" altLang="ko-KR" sz="1400" dirty="0" smtClean="0">
+                          <a:latin typeface="Adobe 고딕 Std B" pitchFamily="34" charset="-127"/>
+                          <a:ea typeface="Adobe 고딕 Std B" pitchFamily="34" charset="-127"/>
+                        </a:rPr>
+                        <a:t>, Victory</a:t>
+                      </a:r>
+                      <a:r>
+                        <a:rPr lang="en-US" altLang="ko-KR" sz="1400" baseline="0" dirty="0" smtClean="0">
+                          <a:latin typeface="Adobe 고딕 Std B" pitchFamily="34" charset="-127"/>
+                          <a:ea typeface="Adobe 고딕 Std B" pitchFamily="34" charset="-127"/>
+                        </a:rPr>
                         <a:t> </a:t>
                       </a:r>
                       <a:r>
-                        <a:rPr lang="en-US" altLang="ko-KR" sz="1400" dirty="0" err="1" smtClean="0">
-                          <a:latin typeface="Adobe 고딕 Std B" pitchFamily="34" charset="-127"/>
-                          <a:ea typeface="Adobe 고딕 Std B" pitchFamily="34" charset="-127"/>
-                        </a:rPr>
-                        <a:t>GameFrameWork</a:t>
-                      </a:r>
-                      <a:r>
-                        <a:rPr lang="en-US" altLang="ko-KR" sz="1400" dirty="0" smtClean="0">
-                          <a:latin typeface="Adobe 고딕 Std B" pitchFamily="34" charset="-127"/>
-                          <a:ea typeface="Adobe 고딕 Std B" pitchFamily="34" charset="-127"/>
-                        </a:rPr>
-                        <a:t> </a:t>
-                      </a:r>
-                      <a:r>
-                        <a:rPr lang="ko-KR" altLang="en-US" sz="1400" dirty="0" smtClean="0">
-                          <a:latin typeface="Adobe 고딕 Std B" pitchFamily="34" charset="-127"/>
-                          <a:ea typeface="Adobe 고딕 Std B" pitchFamily="34" charset="-127"/>
-                        </a:rPr>
-                        <a:t>를 확장해서 개발 중에 있음 </a:t>
+                        <a:rPr lang="ko-KR" altLang="en-US" sz="1400" baseline="0" dirty="0" smtClean="0">
+                          <a:latin typeface="Adobe 고딕 Std B" pitchFamily="34" charset="-127"/>
+                          <a:ea typeface="Adobe 고딕 Std B" pitchFamily="34" charset="-127"/>
+                        </a:rPr>
+                        <a:t>화면 연동 가능</a:t>
                       </a:r>
                       <a:endParaRPr lang="ko-KR" altLang="en-US" sz="1400" dirty="0">
                         <a:latin typeface="Adobe 고딕 Std B" pitchFamily="34" charset="-127"/>
@@ -5531,13 +5493,13 @@
                     <a:p>
                       <a:pPr algn="ctr" latinLnBrk="1"/>
                       <a:r>
-                        <a:rPr lang="ko-KR" altLang="en-US" sz="1400" dirty="0" smtClean="0">
-                          <a:latin typeface="Adobe 고딕 Std B" pitchFamily="34" charset="-127"/>
-                          <a:ea typeface="Adobe 고딕 Std B" pitchFamily="34" charset="-127"/>
-                        </a:rPr>
-                        <a:t>메인 메뉴</a:t>
-                      </a:r>
-                      <a:endParaRPr lang="ko-KR" altLang="en-US" sz="1400" dirty="0">
+                        <a:rPr lang="ko-KR" altLang="en-US" sz="1800" dirty="0" smtClean="0">
+                          <a:latin typeface="Adobe 고딕 Std B" pitchFamily="34" charset="-127"/>
+                          <a:ea typeface="Adobe 고딕 Std B" pitchFamily="34" charset="-127"/>
+                        </a:rPr>
+                        <a:t>효과</a:t>
+                      </a:r>
+                      <a:endParaRPr lang="ko-KR" altLang="en-US" sz="1800" dirty="0">
                         <a:latin typeface="Adobe 고딕 Std B" pitchFamily="34" charset="-127"/>
                         <a:ea typeface="Adobe 고딕 Std B" pitchFamily="34" charset="-127"/>
                       </a:endParaRPr>
@@ -5556,7 +5518,24 @@
                           <a:latin typeface="Adobe 고딕 Std B" pitchFamily="34" charset="-127"/>
                           <a:ea typeface="Adobe 고딕 Std B" pitchFamily="34" charset="-127"/>
                         </a:rPr>
-                        <a:t>타이틀 화면 삽입</a:t>
+                        <a:t>캐릭터가 탄막과 충돌하게 되면</a:t>
+                      </a:r>
+                      <a:r>
+                        <a:rPr lang="en-US" altLang="ko-KR" sz="1400" dirty="0" smtClean="0">
+                          <a:latin typeface="Adobe 고딕 Std B" pitchFamily="34" charset="-127"/>
+                          <a:ea typeface="Adobe 고딕 Std B" pitchFamily="34" charset="-127"/>
+                        </a:rPr>
+                        <a:t>,</a:t>
+                      </a:r>
+                    </a:p>
+                    <a:p>
+                      <a:pPr algn="ctr" latinLnBrk="1"/>
+                      <a:r>
+                        <a:rPr lang="ko-KR" altLang="en-US" sz="1400" dirty="0" smtClean="0">
+                          <a:latin typeface="Adobe 고딕 Std B" pitchFamily="34" charset="-127"/>
+                          <a:ea typeface="Adobe 고딕 Std B" pitchFamily="34" charset="-127"/>
+                        </a:rPr>
+                        <a:t> 빨간색으로 화면이 잠깐 번쩍이는 효과</a:t>
                       </a:r>
                       <a:endParaRPr lang="ko-KR" altLang="en-US" sz="1400" dirty="0">
                         <a:latin typeface="Adobe 고딕 Std B" pitchFamily="34" charset="-127"/>
@@ -5567,24 +5546,24 @@
                   <a:tcPr anchor="ctr"/>
                 </a:tc>
               </a:tr>
-              <a:tr h="651078">
-                <a:tc>
+              <a:tr h="359930">
+                <a:tc rowSpan="5">
                   <a:txBody>
                     <a:bodyPr/>
                     <a:lstStyle/>
                     <a:p>
                       <a:pPr algn="ctr" latinLnBrk="1"/>
                       <a:r>
-                        <a:rPr lang="ko-KR" altLang="en-US" sz="1400" dirty="0" smtClean="0">
+                        <a:rPr lang="ko-KR" altLang="en-US" sz="1800" dirty="0" smtClean="0">
                           <a:solidFill>
                             <a:schemeClr val="tx1"/>
                           </a:solidFill>
                           <a:latin typeface="Adobe 고딕 Std B" pitchFamily="34" charset="-127"/>
                           <a:ea typeface="Adobe 고딕 Std B" pitchFamily="34" charset="-127"/>
                         </a:rPr>
-                        <a:t>캐릭터 컨트롤러</a:t>
-                      </a:r>
-                      <a:endParaRPr lang="ko-KR" altLang="en-US" sz="1400" dirty="0">
+                        <a:t>탄막 패턴 구현</a:t>
+                      </a:r>
+                      <a:endParaRPr lang="ko-KR" altLang="en-US" sz="1800" dirty="0">
                         <a:solidFill>
                           <a:schemeClr val="tx1"/>
                         </a:solidFill>
@@ -5600,41 +5579,36 @@
                     <a:bodyPr/>
                     <a:lstStyle/>
                     <a:p>
-                      <a:pPr algn="ctr" latinLnBrk="1"/>
+                      <a:pPr algn="l" latinLnBrk="1"/>
                       <a:r>
                         <a:rPr lang="ko-KR" altLang="en-US" sz="1400" dirty="0" smtClean="0">
-                          <a:solidFill>
-                            <a:schemeClr val="tx1"/>
-                          </a:solidFill>
-                          <a:latin typeface="Adobe 고딕 Std B" pitchFamily="34" charset="-127"/>
-                          <a:ea typeface="Adobe 고딕 Std B" pitchFamily="34" charset="-127"/>
-                        </a:rPr>
-                        <a:t>키보드를 통한</a:t>
-                      </a:r>
-                      <a:endParaRPr lang="en-US" altLang="ko-KR" sz="1400" dirty="0" smtClean="0">
-                        <a:solidFill>
-                          <a:schemeClr val="tx1"/>
-                        </a:solidFill>
-                        <a:latin typeface="Adobe 고딕 Std B" pitchFamily="34" charset="-127"/>
-                        <a:ea typeface="Adobe 고딕 Std B" pitchFamily="34" charset="-127"/>
-                      </a:endParaRPr>
-                    </a:p>
-                    <a:p>
-                      <a:pPr algn="ctr" latinLnBrk="1"/>
+                          <a:latin typeface="Adobe 고딕 Std B" pitchFamily="34" charset="-127"/>
+                          <a:ea typeface="Adobe 고딕 Std B" pitchFamily="34" charset="-127"/>
+                        </a:rPr>
+                        <a:t>스테이지 </a:t>
+                      </a:r>
+                      <a:r>
+                        <a:rPr lang="en-US" altLang="ko-KR" sz="1400" dirty="0" smtClean="0">
+                          <a:latin typeface="Adobe 고딕 Std B" pitchFamily="34" charset="-127"/>
+                          <a:ea typeface="Adobe 고딕 Std B" pitchFamily="34" charset="-127"/>
+                        </a:rPr>
+                        <a:t>1 : </a:t>
+                      </a:r>
                       <a:r>
                         <a:rPr lang="ko-KR" altLang="en-US" sz="1400" dirty="0" smtClean="0">
-                          <a:solidFill>
-                            <a:schemeClr val="tx1"/>
-                          </a:solidFill>
-                          <a:latin typeface="Adobe 고딕 Std B" pitchFamily="34" charset="-127"/>
-                          <a:ea typeface="Adobe 고딕 Std B" pitchFamily="34" charset="-127"/>
-                        </a:rPr>
-                        <a:t> 상하좌우 대각선 이동</a:t>
+                          <a:latin typeface="Adobe 고딕 Std B" pitchFamily="34" charset="-127"/>
+                          <a:ea typeface="Adobe 고딕 Std B" pitchFamily="34" charset="-127"/>
+                        </a:rPr>
+                        <a:t>기본적인</a:t>
+                      </a:r>
+                      <a:r>
+                        <a:rPr lang="ko-KR" altLang="en-US" sz="1400" baseline="0" dirty="0" smtClean="0">
+                          <a:latin typeface="Adobe 고딕 Std B" pitchFamily="34" charset="-127"/>
+                          <a:ea typeface="Adobe 고딕 Std B" pitchFamily="34" charset="-127"/>
+                        </a:rPr>
+                        <a:t> 난이도로 평범한 사각 탄막 생성</a:t>
                       </a:r>
                       <a:endParaRPr lang="ko-KR" altLang="en-US" sz="1400" dirty="0">
-                        <a:solidFill>
-                          <a:schemeClr val="tx1"/>
-                        </a:solidFill>
                         <a:latin typeface="Adobe 고딕 Std B" pitchFamily="34" charset="-127"/>
                         <a:ea typeface="Adobe 고딕 Std B" pitchFamily="34" charset="-127"/>
                       </a:endParaRPr>
@@ -5643,7 +5617,234 @@
                   <a:tcPr anchor="ctr"/>
                 </a:tc>
               </a:tr>
-              <a:tr h="645334">
+              <a:tr h="359930">
+                <a:tc vMerge="1">
+                  <a:txBody>
+                    <a:bodyPr/>
+                    <a:lstStyle/>
+                    <a:p>
+                      <a:pPr latinLnBrk="1"/>
+                      <a:endParaRPr lang="ko-KR" altLang="en-US"/>
+                    </a:p>
+                  </a:txBody>
+                  <a:tcPr/>
+                </a:tc>
+                <a:tc>
+                  <a:txBody>
+                    <a:bodyPr/>
+                    <a:lstStyle/>
+                    <a:p>
+                      <a:pPr algn="l" latinLnBrk="1"/>
+                      <a:r>
+                        <a:rPr lang="ko-KR" altLang="en-US" sz="1400" dirty="0" smtClean="0">
+                          <a:latin typeface="Adobe 고딕 Std B" pitchFamily="34" charset="-127"/>
+                          <a:ea typeface="Adobe 고딕 Std B" pitchFamily="34" charset="-127"/>
+                        </a:rPr>
+                        <a:t>스테이지 </a:t>
+                      </a:r>
+                      <a:r>
+                        <a:rPr lang="en-US" altLang="ko-KR" sz="1400" dirty="0" smtClean="0">
+                          <a:latin typeface="Adobe 고딕 Std B" pitchFamily="34" charset="-127"/>
+                          <a:ea typeface="Adobe 고딕 Std B" pitchFamily="34" charset="-127"/>
+                        </a:rPr>
+                        <a:t>2</a:t>
+                      </a:r>
+                      <a:r>
+                        <a:rPr lang="en-US" altLang="ko-KR" sz="1400" baseline="0" dirty="0" smtClean="0">
+                          <a:latin typeface="Adobe 고딕 Std B" pitchFamily="34" charset="-127"/>
+                          <a:ea typeface="Adobe 고딕 Std B" pitchFamily="34" charset="-127"/>
+                        </a:rPr>
+                        <a:t> : </a:t>
+                      </a:r>
+                      <a:r>
+                        <a:rPr lang="ko-KR" altLang="en-US" sz="1400" baseline="0" dirty="0" smtClean="0">
+                          <a:latin typeface="Adobe 고딕 Std B" pitchFamily="34" charset="-127"/>
+                          <a:ea typeface="Adobe 고딕 Std B" pitchFamily="34" charset="-127"/>
+                        </a:rPr>
+                        <a:t>스테이지 </a:t>
+                      </a:r>
+                      <a:r>
+                        <a:rPr lang="en-US" altLang="ko-KR" sz="1400" baseline="0" dirty="0" smtClean="0">
+                          <a:latin typeface="Adobe 고딕 Std B" pitchFamily="34" charset="-127"/>
+                          <a:ea typeface="Adobe 고딕 Std B" pitchFamily="34" charset="-127"/>
+                        </a:rPr>
+                        <a:t>1</a:t>
+                      </a:r>
+                      <a:r>
+                        <a:rPr lang="ko-KR" altLang="en-US" sz="1400" baseline="0" dirty="0" smtClean="0">
+                          <a:latin typeface="Adobe 고딕 Std B" pitchFamily="34" charset="-127"/>
+                          <a:ea typeface="Adobe 고딕 Std B" pitchFamily="34" charset="-127"/>
+                        </a:rPr>
+                        <a:t>과 동일하지만 도중에 방향을 급선회</a:t>
+                      </a:r>
+                      <a:endParaRPr lang="ko-KR" altLang="en-US" sz="1400" dirty="0">
+                        <a:latin typeface="Adobe 고딕 Std B" pitchFamily="34" charset="-127"/>
+                        <a:ea typeface="Adobe 고딕 Std B" pitchFamily="34" charset="-127"/>
+                      </a:endParaRPr>
+                    </a:p>
+                  </a:txBody>
+                  <a:tcPr anchor="ctr"/>
+                </a:tc>
+              </a:tr>
+              <a:tr h="359929">
+                <a:tc vMerge="1">
+                  <a:txBody>
+                    <a:bodyPr/>
+                    <a:lstStyle/>
+                    <a:p>
+                      <a:pPr latinLnBrk="1"/>
+                      <a:endParaRPr lang="ko-KR" altLang="en-US"/>
+                    </a:p>
+                  </a:txBody>
+                  <a:tcPr/>
+                </a:tc>
+                <a:tc>
+                  <a:txBody>
+                    <a:bodyPr/>
+                    <a:lstStyle/>
+                    <a:p>
+                      <a:pPr algn="l" latinLnBrk="1"/>
+                      <a:r>
+                        <a:rPr lang="ko-KR" altLang="en-US" sz="1400" dirty="0" smtClean="0">
+                          <a:latin typeface="Adobe 고딕 Std B" pitchFamily="34" charset="-127"/>
+                          <a:ea typeface="Adobe 고딕 Std B" pitchFamily="34" charset="-127"/>
+                        </a:rPr>
+                        <a:t>스테이지 </a:t>
+                      </a:r>
+                      <a:r>
+                        <a:rPr lang="en-US" altLang="ko-KR" sz="1400" dirty="0" smtClean="0">
+                          <a:latin typeface="Adobe 고딕 Std B" pitchFamily="34" charset="-127"/>
+                          <a:ea typeface="Adobe 고딕 Std B" pitchFamily="34" charset="-127"/>
+                        </a:rPr>
+                        <a:t>3</a:t>
+                      </a:r>
+                      <a:r>
+                        <a:rPr lang="en-US" altLang="ko-KR" sz="1400" baseline="0" dirty="0" smtClean="0">
+                          <a:latin typeface="Adobe 고딕 Std B" pitchFamily="34" charset="-127"/>
+                          <a:ea typeface="Adobe 고딕 Std B" pitchFamily="34" charset="-127"/>
+                        </a:rPr>
+                        <a:t> : </a:t>
+                      </a:r>
+                      <a:r>
+                        <a:rPr lang="ko-KR" altLang="en-US" sz="1400" baseline="0" dirty="0" smtClean="0">
+                          <a:latin typeface="Adobe 고딕 Std B" pitchFamily="34" charset="-127"/>
+                          <a:ea typeface="Adobe 고딕 Std B" pitchFamily="34" charset="-127"/>
+                        </a:rPr>
+                        <a:t>탄막이 일정한 주기로 캐릭터를 맹렬하게 추격</a:t>
+                      </a:r>
+                      <a:endParaRPr lang="ko-KR" altLang="en-US" sz="1400" dirty="0">
+                        <a:latin typeface="Adobe 고딕 Std B" pitchFamily="34" charset="-127"/>
+                        <a:ea typeface="Adobe 고딕 Std B" pitchFamily="34" charset="-127"/>
+                      </a:endParaRPr>
+                    </a:p>
+                  </a:txBody>
+                  <a:tcPr anchor="ctr"/>
+                </a:tc>
+              </a:tr>
+              <a:tr h="359930">
+                <a:tc vMerge="1">
+                  <a:txBody>
+                    <a:bodyPr/>
+                    <a:lstStyle/>
+                    <a:p>
+                      <a:pPr latinLnBrk="1"/>
+                      <a:endParaRPr lang="ko-KR" altLang="en-US"/>
+                    </a:p>
+                  </a:txBody>
+                  <a:tcPr/>
+                </a:tc>
+                <a:tc>
+                  <a:txBody>
+                    <a:bodyPr/>
+                    <a:lstStyle/>
+                    <a:p>
+                      <a:pPr algn="l" latinLnBrk="1"/>
+                      <a:r>
+                        <a:rPr lang="ko-KR" altLang="en-US" sz="1400" dirty="0" smtClean="0">
+                          <a:latin typeface="Adobe 고딕 Std B" pitchFamily="34" charset="-127"/>
+                          <a:ea typeface="Adobe 고딕 Std B" pitchFamily="34" charset="-127"/>
+                        </a:rPr>
+                        <a:t>스테이지 </a:t>
+                      </a:r>
+                      <a:r>
+                        <a:rPr lang="en-US" altLang="ko-KR" sz="1400" dirty="0" smtClean="0">
+                          <a:latin typeface="Adobe 고딕 Std B" pitchFamily="34" charset="-127"/>
+                          <a:ea typeface="Adobe 고딕 Std B" pitchFamily="34" charset="-127"/>
+                        </a:rPr>
+                        <a:t>4 :</a:t>
+                      </a:r>
+                      <a:r>
+                        <a:rPr lang="en-US" altLang="ko-KR" sz="1400" baseline="0" dirty="0" smtClean="0">
+                          <a:latin typeface="Adobe 고딕 Std B" pitchFamily="34" charset="-127"/>
+                          <a:ea typeface="Adobe 고딕 Std B" pitchFamily="34" charset="-127"/>
+                        </a:rPr>
+                        <a:t> </a:t>
+                      </a:r>
+                      <a:r>
+                        <a:rPr lang="ko-KR" altLang="en-US" sz="1400" baseline="0" dirty="0" smtClean="0">
+                          <a:latin typeface="Adobe 고딕 Std B" pitchFamily="34" charset="-127"/>
+                          <a:ea typeface="Adobe 고딕 Std B" pitchFamily="34" charset="-127"/>
+                        </a:rPr>
+                        <a:t>그 자리에 고정되었다가 굉장히 빠른 속도로 돌진</a:t>
+                      </a:r>
+                      <a:endParaRPr lang="ko-KR" altLang="en-US" sz="1400" dirty="0">
+                        <a:latin typeface="Adobe 고딕 Std B" pitchFamily="34" charset="-127"/>
+                        <a:ea typeface="Adobe 고딕 Std B" pitchFamily="34" charset="-127"/>
+                      </a:endParaRPr>
+                    </a:p>
+                  </a:txBody>
+                  <a:tcPr anchor="ctr"/>
+                </a:tc>
+              </a:tr>
+              <a:tr h="359930">
+                <a:tc vMerge="1">
+                  <a:txBody>
+                    <a:bodyPr/>
+                    <a:lstStyle/>
+                    <a:p>
+                      <a:pPr latinLnBrk="1"/>
+                      <a:endParaRPr lang="ko-KR" altLang="en-US"/>
+                    </a:p>
+                  </a:txBody>
+                  <a:tcPr/>
+                </a:tc>
+                <a:tc>
+                  <a:txBody>
+                    <a:bodyPr/>
+                    <a:lstStyle/>
+                    <a:p>
+                      <a:pPr algn="l" latinLnBrk="1"/>
+                      <a:r>
+                        <a:rPr lang="ko-KR" altLang="en-US" sz="1400" dirty="0" smtClean="0">
+                          <a:latin typeface="Adobe 고딕 Std B" pitchFamily="34" charset="-127"/>
+                          <a:ea typeface="Adobe 고딕 Std B" pitchFamily="34" charset="-127"/>
+                        </a:rPr>
+                        <a:t>스테이지 </a:t>
+                      </a:r>
+                      <a:r>
+                        <a:rPr lang="en-US" altLang="ko-KR" sz="1400" dirty="0" smtClean="0">
+                          <a:latin typeface="Adobe 고딕 Std B" pitchFamily="34" charset="-127"/>
+                          <a:ea typeface="Adobe 고딕 Std B" pitchFamily="34" charset="-127"/>
+                        </a:rPr>
+                        <a:t>5 : </a:t>
+                      </a:r>
+                      <a:r>
+                        <a:rPr lang="ko-KR" altLang="en-US" sz="1400" dirty="0" smtClean="0">
+                          <a:latin typeface="Adobe 고딕 Std B" pitchFamily="34" charset="-127"/>
+                          <a:ea typeface="Adobe 고딕 Std B" pitchFamily="34" charset="-127"/>
+                        </a:rPr>
+                        <a:t>암전을 이용한 탄막의 난이도 상승</a:t>
+                      </a:r>
+                      <a:endParaRPr lang="ko-KR" altLang="en-US" sz="1400" dirty="0">
+                        <a:latin typeface="Adobe 고딕 Std B" pitchFamily="34" charset="-127"/>
+                        <a:ea typeface="Adobe 고딕 Std B" pitchFamily="34" charset="-127"/>
+                      </a:endParaRPr>
+                    </a:p>
+                  </a:txBody>
+                  <a:tcPr anchor="ctr"/>
+                </a:tc>
+              </a:tr>
+              <a:tr h="359930">
                 <a:tc>
                   <a:txBody>
                     <a:bodyPr/>
@@ -5651,13 +5852,29 @@
                     <a:p>
                       <a:pPr algn="ctr" latinLnBrk="1"/>
                       <a:r>
-                        <a:rPr lang="ko-KR" altLang="en-US" sz="1400" dirty="0" smtClean="0">
-                          <a:latin typeface="Adobe 고딕 Std B" pitchFamily="34" charset="-127"/>
-                          <a:ea typeface="Adobe 고딕 Std B" pitchFamily="34" charset="-127"/>
-                        </a:rPr>
-                        <a:t>게임 코어 기능</a:t>
-                      </a:r>
-                      <a:endParaRPr lang="ko-KR" altLang="en-US" sz="1400" dirty="0">
+                        <a:rPr lang="en-US" altLang="ko-KR" sz="1800" dirty="0" smtClean="0">
+                          <a:solidFill>
+                            <a:schemeClr val="tx1"/>
+                          </a:solidFill>
+                          <a:latin typeface="Adobe 고딕 Std B" pitchFamily="34" charset="-127"/>
+                          <a:ea typeface="Adobe 고딕 Std B" pitchFamily="34" charset="-127"/>
+                        </a:rPr>
+                        <a:t>Sky Box </a:t>
+                      </a:r>
+                      <a:r>
+                        <a:rPr lang="ko-KR" altLang="en-US" sz="1800" baseline="0" dirty="0" smtClean="0">
+                          <a:solidFill>
+                            <a:schemeClr val="tx1"/>
+                          </a:solidFill>
+                          <a:latin typeface="Adobe 고딕 Std B" pitchFamily="34" charset="-127"/>
+                          <a:ea typeface="Adobe 고딕 Std B" pitchFamily="34" charset="-127"/>
+                        </a:rPr>
+                        <a:t>구현</a:t>
+                      </a:r>
+                      <a:endParaRPr lang="ko-KR" altLang="en-US" sz="1800" dirty="0">
+                        <a:solidFill>
+                          <a:schemeClr val="tx1"/>
+                        </a:solidFill>
                         <a:latin typeface="Adobe 고딕 Std B" pitchFamily="34" charset="-127"/>
                         <a:ea typeface="Adobe 고딕 Std B" pitchFamily="34" charset="-127"/>
                       </a:endParaRPr>
@@ -5670,92 +5887,41 @@
                     <a:bodyPr/>
                     <a:lstStyle/>
                     <a:p>
-                      <a:pPr algn="ctr" latinLnBrk="1"/>
-                      <a:r>
-                        <a:rPr lang="ko-KR" altLang="en-US" sz="1400" baseline="0" dirty="0" smtClean="0">
-                          <a:latin typeface="Adobe 고딕 Std B" pitchFamily="34" charset="-127"/>
-                          <a:ea typeface="Adobe 고딕 Std B" pitchFamily="34" charset="-127"/>
-                        </a:rPr>
-                        <a:t>스테이지</a:t>
-                      </a:r>
-                      <a:r>
-                        <a:rPr lang="en-US" altLang="ko-KR" sz="1400" baseline="0" dirty="0" smtClean="0">
-                          <a:latin typeface="Adobe 고딕 Std B" pitchFamily="34" charset="-127"/>
-                          <a:ea typeface="Adobe 고딕 Std B" pitchFamily="34" charset="-127"/>
-                        </a:rPr>
-                        <a:t>1</a:t>
-                      </a:r>
-                      <a:r>
-                        <a:rPr lang="ko-KR" altLang="en-US" sz="1400" baseline="0" dirty="0" smtClean="0">
-                          <a:latin typeface="Adobe 고딕 Std B" pitchFamily="34" charset="-127"/>
-                          <a:ea typeface="Adobe 고딕 Std B" pitchFamily="34" charset="-127"/>
-                        </a:rPr>
-                        <a:t>에  해당하는 탄막의 </a:t>
-                      </a:r>
-                      <a:r>
-                        <a:rPr lang="ko-KR" altLang="en-US" sz="1400" baseline="0" dirty="0" smtClean="0">
-                          <a:latin typeface="Adobe 고딕 Std B" pitchFamily="34" charset="-127"/>
-                          <a:ea typeface="Adobe 고딕 Std B" pitchFamily="34" charset="-127"/>
-                        </a:rPr>
-                        <a:t>패턴 </a:t>
-                      </a:r>
-                      <a:r>
-                        <a:rPr lang="ko-KR" altLang="en-US" sz="1400" baseline="0" dirty="0" smtClean="0">
-                          <a:latin typeface="Adobe 고딕 Std B" pitchFamily="34" charset="-127"/>
-                          <a:ea typeface="Adobe 고딕 Std B" pitchFamily="34" charset="-127"/>
-                        </a:rPr>
-                        <a:t>구현 완료</a:t>
-                      </a:r>
-                      <a:endParaRPr lang="ko-KR" altLang="en-US" sz="1400" dirty="0">
-                        <a:latin typeface="Adobe 고딕 Std B" pitchFamily="34" charset="-127"/>
-                        <a:ea typeface="Adobe 고딕 Std B" pitchFamily="34" charset="-127"/>
-                      </a:endParaRPr>
-                    </a:p>
-                  </a:txBody>
-                  <a:tcPr anchor="ctr"/>
-                </a:tc>
-              </a:tr>
-              <a:tr h="503237">
-                <a:tc>
-                  <a:txBody>
-                    <a:bodyPr/>
-                    <a:lstStyle/>
-                    <a:p>
-                      <a:pPr algn="ctr" latinLnBrk="1"/>
+                      <a:pPr algn="l" latinLnBrk="1"/>
+                      <a:r>
+                        <a:rPr lang="ko-KR" altLang="en-US" sz="1400" dirty="0" smtClean="0">
+                          <a:latin typeface="Adobe 고딕 Std B" pitchFamily="34" charset="-127"/>
+                          <a:ea typeface="Adobe 고딕 Std B" pitchFamily="34" charset="-127"/>
+                        </a:rPr>
+                        <a:t>모델에 맞는 </a:t>
+                      </a:r>
+                      <a:r>
+                        <a:rPr lang="ko-KR" altLang="en-US" sz="1400" dirty="0" err="1" smtClean="0">
+                          <a:latin typeface="Adobe 고딕 Std B" pitchFamily="34" charset="-127"/>
+                          <a:ea typeface="Adobe 고딕 Std B" pitchFamily="34" charset="-127"/>
+                        </a:rPr>
+                        <a:t>컨셉으로</a:t>
+                      </a:r>
+                      <a:r>
+                        <a:rPr lang="ko-KR" altLang="en-US" sz="1400" dirty="0" smtClean="0">
+                          <a:latin typeface="Adobe 고딕 Std B" pitchFamily="34" charset="-127"/>
+                          <a:ea typeface="Adobe 고딕 Std B" pitchFamily="34" charset="-127"/>
+                        </a:rPr>
+                        <a:t> 바다 분위기를 낼 수 있는 </a:t>
+                      </a:r>
                       <a:r>
                         <a:rPr lang="en-US" altLang="ko-KR" sz="1400" dirty="0" smtClean="0">
                           <a:latin typeface="Adobe 고딕 Std B" pitchFamily="34" charset="-127"/>
                           <a:ea typeface="Adobe 고딕 Std B" pitchFamily="34" charset="-127"/>
                         </a:rPr>
-                        <a:t>GUI</a:t>
-                      </a:r>
-                      <a:endParaRPr lang="ko-KR" altLang="en-US" sz="1400" dirty="0">
-                        <a:latin typeface="Adobe 고딕 Std B" pitchFamily="34" charset="-127"/>
-                        <a:ea typeface="Adobe 고딕 Std B" pitchFamily="34" charset="-127"/>
-                      </a:endParaRPr>
-                    </a:p>
-                  </a:txBody>
-                  <a:tcPr anchor="ctr"/>
-                </a:tc>
-                <a:tc>
-                  <a:txBody>
-                    <a:bodyPr/>
-                    <a:lstStyle/>
-                    <a:p>
-                      <a:pPr algn="ctr" latinLnBrk="1"/>
+                        <a:t>Sky Box</a:t>
+                      </a:r>
                       <a:r>
                         <a:rPr lang="ko-KR" altLang="en-US" sz="1400" dirty="0" smtClean="0">
                           <a:latin typeface="Adobe 고딕 Std B" pitchFamily="34" charset="-127"/>
                           <a:ea typeface="Adobe 고딕 Std B" pitchFamily="34" charset="-127"/>
                         </a:rPr>
-                        <a:t>스테이지에</a:t>
-                      </a:r>
-                      <a:r>
-                        <a:rPr lang="ko-KR" altLang="en-US" sz="1400" baseline="0" dirty="0" smtClean="0">
-                          <a:latin typeface="Adobe 고딕 Std B" pitchFamily="34" charset="-127"/>
-                          <a:ea typeface="Adobe 고딕 Std B" pitchFamily="34" charset="-127"/>
-                        </a:rPr>
-                        <a:t> 부여된 남은 시간을 출력</a:t>
+                        <a:t>를 구현</a:t>
                       </a:r>
                       <a:endParaRPr lang="ko-KR" altLang="en-US" sz="1400" dirty="0">
                         <a:latin typeface="Adobe 고딕 Std B" pitchFamily="34" charset="-127"/>
@@ -5923,8 +6089,8 @@
         </p:nvSpPr>
         <p:spPr>
           <a:xfrm>
-            <a:off x="2267744" y="322203"/>
-            <a:ext cx="3672408" cy="707886"/>
+            <a:off x="1979712" y="322203"/>
+            <a:ext cx="6768752" cy="707886"/>
           </a:xfrm>
           <a:prstGeom prst="rect">
             <a:avLst/>
@@ -5943,9 +6109,9 @@
                   <a:schemeClr val="bg1"/>
                 </a:solidFill>
               </a:rPr>
-              <a:t>게임 흐름</a:t>
-            </a:r>
-            <a:endParaRPr lang="en-US" altLang="ko-KR" sz="4000" b="1" dirty="0" smtClean="0">
+              <a:t>게임 실행</a:t>
+            </a:r>
+            <a:endParaRPr lang="ko-KR" altLang="en-US" sz="4000" b="1" dirty="0">
               <a:solidFill>
                 <a:schemeClr val="bg1"/>
               </a:solidFill>
@@ -5953,713 +6119,10 @@
           </a:p>
         </p:txBody>
       </p:sp>
-      <p:pic>
-        <p:nvPicPr>
-          <p:cNvPr id="6" name="그림 5"/>
-          <p:cNvPicPr>
-            <a:picLocks noChangeAspect="1"/>
-          </p:cNvPicPr>
-          <p:nvPr/>
-        </p:nvPicPr>
-        <p:blipFill>
-          <a:blip r:embed="rId3" cstate="print">
-            <a:extLst>
-              <a:ext uri="{28A0092B-C50C-407E-A947-70E740481C1C}">
-                <a14:useLocalDpi xmlns:a14="http://schemas.microsoft.com/office/drawing/2010/main" val="0"/>
-              </a:ext>
-            </a:extLst>
-          </a:blip>
-          <a:stretch>
-            <a:fillRect/>
-          </a:stretch>
-        </p:blipFill>
-        <p:spPr>
-          <a:xfrm>
-            <a:off x="168168" y="1340768"/>
-            <a:ext cx="4199151" cy="3265096"/>
-          </a:xfrm>
-          <a:prstGeom prst="rect">
-            <a:avLst/>
-          </a:prstGeom>
-        </p:spPr>
-      </p:pic>
-      <p:pic>
-        <p:nvPicPr>
-          <p:cNvPr id="9" name="그림 8"/>
-          <p:cNvPicPr>
-            <a:picLocks noChangeAspect="1"/>
-          </p:cNvPicPr>
-          <p:nvPr/>
-        </p:nvPicPr>
-        <p:blipFill>
-          <a:blip r:embed="rId4">
-            <a:extLst>
-              <a:ext uri="{28A0092B-C50C-407E-A947-70E740481C1C}">
-                <a14:useLocalDpi xmlns:a14="http://schemas.microsoft.com/office/drawing/2010/main" val="0"/>
-              </a:ext>
-            </a:extLst>
-          </a:blip>
-          <a:stretch>
-            <a:fillRect/>
-          </a:stretch>
-        </p:blipFill>
-        <p:spPr>
-          <a:xfrm>
-            <a:off x="1966647" y="2729373"/>
-            <a:ext cx="4801343" cy="3741608"/>
-          </a:xfrm>
-          <a:prstGeom prst="rect">
-            <a:avLst/>
-          </a:prstGeom>
-        </p:spPr>
-      </p:pic>
-      <p:grpSp>
-        <p:nvGrpSpPr>
-          <p:cNvPr id="4" name="그룹 3"/>
-          <p:cNvGrpSpPr/>
-          <p:nvPr/>
-        </p:nvGrpSpPr>
-        <p:grpSpPr>
-          <a:xfrm>
-            <a:off x="5642511" y="1563996"/>
-            <a:ext cx="3203847" cy="2534448"/>
-            <a:chOff x="1907703" y="1519683"/>
-            <a:chExt cx="5662966" cy="4479769"/>
-          </a:xfrm>
-          <a:solidFill>
-            <a:schemeClr val="bg1"/>
-          </a:solidFill>
-        </p:grpSpPr>
-        <p:sp>
-          <p:nvSpPr>
-            <p:cNvPr id="3" name="직사각형 2"/>
-            <p:cNvSpPr/>
-            <p:nvPr/>
-          </p:nvSpPr>
-          <p:spPr>
-            <a:xfrm>
-              <a:off x="1907703" y="1519683"/>
-              <a:ext cx="2376264" cy="741742"/>
-            </a:xfrm>
-            <a:prstGeom prst="rect">
-              <a:avLst/>
-            </a:prstGeom>
-            <a:grpFill/>
-          </p:spPr>
-          <p:style>
-            <a:lnRef idx="2">
-              <a:schemeClr val="dk1"/>
-            </a:lnRef>
-            <a:fillRef idx="1">
-              <a:schemeClr val="lt1"/>
-            </a:fillRef>
-            <a:effectRef idx="0">
-              <a:schemeClr val="dk1"/>
-            </a:effectRef>
-            <a:fontRef idx="minor">
-              <a:schemeClr val="dk1"/>
-            </a:fontRef>
-          </p:style>
-          <p:txBody>
-            <a:bodyPr rtlCol="0" anchor="ctr"/>
-            <a:lstStyle/>
-            <a:p>
-              <a:pPr algn="ctr"/>
-              <a:r>
-                <a:rPr lang="ko-KR" altLang="en-US" sz="1600" dirty="0" smtClean="0">
-                  <a:latin typeface="Adobe 고딕 Std B" pitchFamily="34" charset="-127"/>
-                  <a:ea typeface="Adobe 고딕 Std B" pitchFamily="34" charset="-127"/>
-                </a:rPr>
-                <a:t>메인 메뉴</a:t>
-              </a:r>
-              <a:endParaRPr lang="ko-KR" altLang="en-US" sz="1600" dirty="0">
-                <a:latin typeface="Adobe 고딕 Std B" pitchFamily="34" charset="-127"/>
-                <a:ea typeface="Adobe 고딕 Std B" pitchFamily="34" charset="-127"/>
-              </a:endParaRPr>
-            </a:p>
-          </p:txBody>
-        </p:sp>
-        <p:sp>
-          <p:nvSpPr>
-            <p:cNvPr id="12" name="직사각형 11"/>
-            <p:cNvSpPr/>
-            <p:nvPr/>
-          </p:nvSpPr>
-          <p:spPr>
-            <a:xfrm>
-              <a:off x="1907704" y="2564904"/>
-              <a:ext cx="2376264" cy="720080"/>
-            </a:xfrm>
-            <a:prstGeom prst="rect">
-              <a:avLst/>
-            </a:prstGeom>
-            <a:grpFill/>
-          </p:spPr>
-          <p:style>
-            <a:lnRef idx="2">
-              <a:schemeClr val="dk1"/>
-            </a:lnRef>
-            <a:fillRef idx="1">
-              <a:schemeClr val="lt1"/>
-            </a:fillRef>
-            <a:effectRef idx="0">
-              <a:schemeClr val="dk1"/>
-            </a:effectRef>
-            <a:fontRef idx="minor">
-              <a:schemeClr val="dk1"/>
-            </a:fontRef>
-          </p:style>
-          <p:txBody>
-            <a:bodyPr rtlCol="0" anchor="ctr"/>
-            <a:lstStyle/>
-            <a:p>
-              <a:pPr algn="ctr"/>
-              <a:r>
-                <a:rPr lang="ko-KR" altLang="en-US" sz="1600" dirty="0" smtClean="0">
-                  <a:latin typeface="Adobe 고딕 Std B" pitchFamily="34" charset="-127"/>
-                  <a:ea typeface="Adobe 고딕 Std B" pitchFamily="34" charset="-127"/>
-                </a:rPr>
-                <a:t>게임 시작</a:t>
-              </a:r>
-              <a:endParaRPr lang="en-US" altLang="ko-KR" sz="1600" dirty="0" smtClean="0">
-                <a:latin typeface="Adobe 고딕 Std B" pitchFamily="34" charset="-127"/>
-                <a:ea typeface="Adobe 고딕 Std B" pitchFamily="34" charset="-127"/>
-              </a:endParaRPr>
-            </a:p>
-          </p:txBody>
-        </p:sp>
-        <p:sp>
-          <p:nvSpPr>
-            <p:cNvPr id="18" name="직사각형 17"/>
-            <p:cNvSpPr/>
-            <p:nvPr/>
-          </p:nvSpPr>
-          <p:spPr>
-            <a:xfrm>
-              <a:off x="1907704" y="3645024"/>
-              <a:ext cx="2376263" cy="1008112"/>
-            </a:xfrm>
-            <a:prstGeom prst="rect">
-              <a:avLst/>
-            </a:prstGeom>
-            <a:grpFill/>
-          </p:spPr>
-          <p:style>
-            <a:lnRef idx="2">
-              <a:schemeClr val="dk1"/>
-            </a:lnRef>
-            <a:fillRef idx="1">
-              <a:schemeClr val="lt1"/>
-            </a:fillRef>
-            <a:effectRef idx="0">
-              <a:schemeClr val="dk1"/>
-            </a:effectRef>
-            <a:fontRef idx="minor">
-              <a:schemeClr val="dk1"/>
-            </a:fontRef>
-          </p:style>
-          <p:txBody>
-            <a:bodyPr rtlCol="0" anchor="ctr"/>
-            <a:lstStyle/>
-            <a:p>
-              <a:pPr algn="ctr"/>
-              <a:r>
-                <a:rPr lang="ko-KR" altLang="en-US" sz="1400" dirty="0" smtClean="0">
-                  <a:latin typeface="Adobe 고딕 Std B" pitchFamily="34" charset="-127"/>
-                  <a:ea typeface="Adobe 고딕 Std B" pitchFamily="34" charset="-127"/>
-                </a:rPr>
-                <a:t>스테이지 진행</a:t>
-              </a:r>
-              <a:endParaRPr lang="en-US" altLang="ko-KR" sz="1400" dirty="0" smtClean="0">
-                <a:latin typeface="Adobe 고딕 Std B" pitchFamily="34" charset="-127"/>
-                <a:ea typeface="Adobe 고딕 Std B" pitchFamily="34" charset="-127"/>
-              </a:endParaRPr>
-            </a:p>
-          </p:txBody>
-        </p:sp>
-        <p:sp>
-          <p:nvSpPr>
-            <p:cNvPr id="19" name="직사각형 18"/>
-            <p:cNvSpPr/>
-            <p:nvPr/>
-          </p:nvSpPr>
-          <p:spPr>
-            <a:xfrm>
-              <a:off x="4906373" y="3645024"/>
-              <a:ext cx="2664296" cy="1008112"/>
-            </a:xfrm>
-            <a:prstGeom prst="rect">
-              <a:avLst/>
-            </a:prstGeom>
-            <a:grpFill/>
-          </p:spPr>
-          <p:style>
-            <a:lnRef idx="2">
-              <a:schemeClr val="dk1"/>
-            </a:lnRef>
-            <a:fillRef idx="1">
-              <a:schemeClr val="lt1"/>
-            </a:fillRef>
-            <a:effectRef idx="0">
-              <a:schemeClr val="dk1"/>
-            </a:effectRef>
-            <a:fontRef idx="minor">
-              <a:schemeClr val="dk1"/>
-            </a:fontRef>
-          </p:style>
-          <p:txBody>
-            <a:bodyPr rtlCol="0" anchor="ctr"/>
-            <a:lstStyle/>
-            <a:p>
-              <a:pPr algn="ctr"/>
-              <a:r>
-                <a:rPr lang="ko-KR" altLang="en-US" sz="1100" dirty="0" smtClean="0">
-                  <a:latin typeface="Adobe 고딕 Std B" pitchFamily="34" charset="-127"/>
-                  <a:ea typeface="Adobe 고딕 Std B" pitchFamily="34" charset="-127"/>
-                </a:rPr>
-                <a:t>날아오는 </a:t>
-              </a:r>
-              <a:r>
-                <a:rPr lang="ko-KR" altLang="en-US" sz="1100" dirty="0">
-                  <a:latin typeface="Adobe 고딕 Std B" pitchFamily="34" charset="-127"/>
-                  <a:ea typeface="Adobe 고딕 Std B" pitchFamily="34" charset="-127"/>
-                </a:rPr>
-                <a:t>모든 탄막을 피하고 생존</a:t>
-              </a:r>
-            </a:p>
-          </p:txBody>
-        </p:sp>
-        <p:sp>
-          <p:nvSpPr>
-            <p:cNvPr id="20" name="직사각형 19"/>
-            <p:cNvSpPr/>
-            <p:nvPr/>
-          </p:nvSpPr>
-          <p:spPr>
-            <a:xfrm>
-              <a:off x="4906373" y="4991340"/>
-              <a:ext cx="2664296" cy="1008112"/>
-            </a:xfrm>
-            <a:prstGeom prst="rect">
-              <a:avLst/>
-            </a:prstGeom>
-            <a:grpFill/>
-          </p:spPr>
-          <p:style>
-            <a:lnRef idx="2">
-              <a:schemeClr val="dk1"/>
-            </a:lnRef>
-            <a:fillRef idx="1">
-              <a:schemeClr val="lt1"/>
-            </a:fillRef>
-            <a:effectRef idx="0">
-              <a:schemeClr val="dk1"/>
-            </a:effectRef>
-            <a:fontRef idx="minor">
-              <a:schemeClr val="dk1"/>
-            </a:fontRef>
-          </p:style>
-          <p:txBody>
-            <a:bodyPr rtlCol="0" anchor="ctr"/>
-            <a:lstStyle/>
-            <a:p>
-              <a:pPr algn="ctr"/>
-              <a:r>
-                <a:rPr lang="ko-KR" altLang="en-US" sz="1400" dirty="0" smtClean="0">
-                  <a:latin typeface="Adobe 고딕 Std B" pitchFamily="34" charset="-127"/>
-                  <a:ea typeface="Adobe 고딕 Std B" pitchFamily="34" charset="-127"/>
-                </a:rPr>
-                <a:t>다음 스테이지 </a:t>
-              </a:r>
-              <a:endParaRPr lang="en-US" altLang="ko-KR" sz="1400" dirty="0" smtClean="0">
-                <a:latin typeface="Adobe 고딕 Std B" pitchFamily="34" charset="-127"/>
-                <a:ea typeface="Adobe 고딕 Std B" pitchFamily="34" charset="-127"/>
-              </a:endParaRPr>
-            </a:p>
-          </p:txBody>
-        </p:sp>
-        <p:sp>
-          <p:nvSpPr>
-            <p:cNvPr id="21" name="직사각형 20"/>
-            <p:cNvSpPr/>
-            <p:nvPr/>
-          </p:nvSpPr>
-          <p:spPr>
-            <a:xfrm>
-              <a:off x="5185280" y="1534414"/>
-              <a:ext cx="2106482" cy="712280"/>
-            </a:xfrm>
-            <a:prstGeom prst="rect">
-              <a:avLst/>
-            </a:prstGeom>
-            <a:grpFill/>
-          </p:spPr>
-          <p:style>
-            <a:lnRef idx="2">
-              <a:schemeClr val="dk1"/>
-            </a:lnRef>
-            <a:fillRef idx="1">
-              <a:schemeClr val="lt1"/>
-            </a:fillRef>
-            <a:effectRef idx="0">
-              <a:schemeClr val="dk1"/>
-            </a:effectRef>
-            <a:fontRef idx="minor">
-              <a:schemeClr val="dk1"/>
-            </a:fontRef>
-          </p:style>
-          <p:txBody>
-            <a:bodyPr rtlCol="0" anchor="ctr"/>
-            <a:lstStyle/>
-            <a:p>
-              <a:pPr algn="ctr"/>
-              <a:r>
-                <a:rPr lang="en-US" altLang="ko-KR" sz="1400" dirty="0" smtClean="0">
-                  <a:latin typeface="Adobe 고딕 Std B" pitchFamily="34" charset="-127"/>
-                  <a:ea typeface="Adobe 고딕 Std B" pitchFamily="34" charset="-127"/>
-                </a:rPr>
-                <a:t>Game Over</a:t>
-              </a:r>
-            </a:p>
-          </p:txBody>
-        </p:sp>
-        <p:sp>
-          <p:nvSpPr>
-            <p:cNvPr id="22" name="직사각형 21"/>
-            <p:cNvSpPr/>
-            <p:nvPr/>
-          </p:nvSpPr>
-          <p:spPr>
-            <a:xfrm>
-              <a:off x="1907703" y="4991340"/>
-              <a:ext cx="2376265" cy="1008112"/>
-            </a:xfrm>
-            <a:prstGeom prst="rect">
-              <a:avLst/>
-            </a:prstGeom>
-            <a:grpFill/>
-          </p:spPr>
-          <p:style>
-            <a:lnRef idx="2">
-              <a:schemeClr val="dk1"/>
-            </a:lnRef>
-            <a:fillRef idx="1">
-              <a:schemeClr val="lt1"/>
-            </a:fillRef>
-            <a:effectRef idx="0">
-              <a:schemeClr val="dk1"/>
-            </a:effectRef>
-            <a:fontRef idx="minor">
-              <a:schemeClr val="dk1"/>
-            </a:fontRef>
-          </p:style>
-          <p:txBody>
-            <a:bodyPr rtlCol="0" anchor="ctr"/>
-            <a:lstStyle/>
-            <a:p>
-              <a:pPr algn="ctr"/>
-              <a:r>
-                <a:rPr lang="en-US" altLang="ko-KR" sz="1400" dirty="0" smtClean="0">
-                  <a:latin typeface="Adobe 고딕 Std B" pitchFamily="34" charset="-127"/>
-                  <a:ea typeface="Adobe 고딕 Std B" pitchFamily="34" charset="-127"/>
-                </a:rPr>
-                <a:t>All Clear</a:t>
-              </a:r>
-            </a:p>
-          </p:txBody>
-        </p:sp>
-        <p:cxnSp>
-          <p:nvCxnSpPr>
-            <p:cNvPr id="11" name="직선 화살표 연결선 10"/>
-            <p:cNvCxnSpPr>
-              <a:stCxn id="3" idx="2"/>
-              <a:endCxn id="12" idx="0"/>
-            </p:cNvCxnSpPr>
-            <p:nvPr/>
-          </p:nvCxnSpPr>
-          <p:spPr>
-            <a:xfrm>
-              <a:off x="3095835" y="2261425"/>
-              <a:ext cx="1" cy="303479"/>
-            </a:xfrm>
-            <a:prstGeom prst="straightConnector1">
-              <a:avLst/>
-            </a:prstGeom>
-            <a:grpFill/>
-            <a:ln w="38100">
-              <a:solidFill>
-                <a:schemeClr val="tx1"/>
-              </a:solidFill>
-              <a:headEnd type="none" w="med" len="med"/>
-              <a:tailEnd type="triangle" w="med" len="med"/>
-            </a:ln>
-          </p:spPr>
-          <p:style>
-            <a:lnRef idx="1">
-              <a:schemeClr val="accent1"/>
-            </a:lnRef>
-            <a:fillRef idx="0">
-              <a:schemeClr val="accent1"/>
-            </a:fillRef>
-            <a:effectRef idx="0">
-              <a:schemeClr val="accent1"/>
-            </a:effectRef>
-            <a:fontRef idx="minor">
-              <a:schemeClr val="tx1"/>
-            </a:fontRef>
-          </p:style>
-        </p:cxnSp>
-        <p:cxnSp>
-          <p:nvCxnSpPr>
-            <p:cNvPr id="24" name="직선 화살표 연결선 23"/>
-            <p:cNvCxnSpPr>
-              <a:stCxn id="12" idx="2"/>
-              <a:endCxn id="18" idx="0"/>
-            </p:cNvCxnSpPr>
-            <p:nvPr/>
-          </p:nvCxnSpPr>
-          <p:spPr>
-            <a:xfrm>
-              <a:off x="3095836" y="3284984"/>
-              <a:ext cx="0" cy="360040"/>
-            </a:xfrm>
-            <a:prstGeom prst="straightConnector1">
-              <a:avLst/>
-            </a:prstGeom>
-            <a:grpFill/>
-            <a:ln w="38100">
-              <a:solidFill>
-                <a:schemeClr val="tx1"/>
-              </a:solidFill>
-              <a:headEnd type="none" w="med" len="med"/>
-              <a:tailEnd type="triangle" w="med" len="med"/>
-            </a:ln>
-          </p:spPr>
-          <p:style>
-            <a:lnRef idx="1">
-              <a:schemeClr val="accent1"/>
-            </a:lnRef>
-            <a:fillRef idx="0">
-              <a:schemeClr val="accent1"/>
-            </a:fillRef>
-            <a:effectRef idx="0">
-              <a:schemeClr val="accent1"/>
-            </a:effectRef>
-            <a:fontRef idx="minor">
-              <a:schemeClr val="tx1"/>
-            </a:fontRef>
-          </p:style>
-        </p:cxnSp>
-        <p:cxnSp>
-          <p:nvCxnSpPr>
-            <p:cNvPr id="33" name="직선 화살표 연결선 32"/>
-            <p:cNvCxnSpPr>
-              <a:stCxn id="18" idx="3"/>
-              <a:endCxn id="19" idx="1"/>
-            </p:cNvCxnSpPr>
-            <p:nvPr/>
-          </p:nvCxnSpPr>
-          <p:spPr>
-            <a:xfrm>
-              <a:off x="4283967" y="4149080"/>
-              <a:ext cx="622406" cy="0"/>
-            </a:xfrm>
-            <a:prstGeom prst="straightConnector1">
-              <a:avLst/>
-            </a:prstGeom>
-            <a:grpFill/>
-            <a:ln w="38100">
-              <a:solidFill>
-                <a:schemeClr val="tx1"/>
-              </a:solidFill>
-              <a:headEnd type="none" w="med" len="med"/>
-              <a:tailEnd type="triangle" w="med" len="med"/>
-            </a:ln>
-          </p:spPr>
-          <p:style>
-            <a:lnRef idx="1">
-              <a:schemeClr val="accent1"/>
-            </a:lnRef>
-            <a:fillRef idx="0">
-              <a:schemeClr val="accent1"/>
-            </a:fillRef>
-            <a:effectRef idx="0">
-              <a:schemeClr val="accent1"/>
-            </a:effectRef>
-            <a:fontRef idx="minor">
-              <a:schemeClr val="tx1"/>
-            </a:fontRef>
-          </p:style>
-        </p:cxnSp>
-        <p:cxnSp>
-          <p:nvCxnSpPr>
-            <p:cNvPr id="39" name="직선 화살표 연결선 38"/>
-            <p:cNvCxnSpPr>
-              <a:stCxn id="19" idx="0"/>
-              <a:endCxn id="21" idx="2"/>
-            </p:cNvCxnSpPr>
-            <p:nvPr/>
-          </p:nvCxnSpPr>
-          <p:spPr>
-            <a:xfrm flipV="1">
-              <a:off x="6238521" y="2246694"/>
-              <a:ext cx="0" cy="1398330"/>
-            </a:xfrm>
-            <a:prstGeom prst="straightConnector1">
-              <a:avLst/>
-            </a:prstGeom>
-            <a:grpFill/>
-            <a:ln w="38100">
-              <a:solidFill>
-                <a:schemeClr val="tx1"/>
-              </a:solidFill>
-              <a:headEnd type="none" w="med" len="med"/>
-              <a:tailEnd type="triangle" w="med" len="med"/>
-            </a:ln>
-          </p:spPr>
-          <p:style>
-            <a:lnRef idx="1">
-              <a:schemeClr val="accent1"/>
-            </a:lnRef>
-            <a:fillRef idx="0">
-              <a:schemeClr val="accent1"/>
-            </a:fillRef>
-            <a:effectRef idx="0">
-              <a:schemeClr val="accent1"/>
-            </a:effectRef>
-            <a:fontRef idx="minor">
-              <a:schemeClr val="tx1"/>
-            </a:fontRef>
-          </p:style>
-        </p:cxnSp>
-        <p:cxnSp>
-          <p:nvCxnSpPr>
-            <p:cNvPr id="42" name="직선 화살표 연결선 41"/>
-            <p:cNvCxnSpPr>
-              <a:stCxn id="21" idx="1"/>
-              <a:endCxn id="3" idx="3"/>
-            </p:cNvCxnSpPr>
-            <p:nvPr/>
-          </p:nvCxnSpPr>
-          <p:spPr>
-            <a:xfrm flipH="1">
-              <a:off x="4283967" y="1890554"/>
-              <a:ext cx="901313" cy="0"/>
-            </a:xfrm>
-            <a:prstGeom prst="straightConnector1">
-              <a:avLst/>
-            </a:prstGeom>
-            <a:grpFill/>
-            <a:ln w="38100">
-              <a:solidFill>
-                <a:schemeClr val="tx1"/>
-              </a:solidFill>
-              <a:headEnd type="none" w="med" len="med"/>
-              <a:tailEnd type="triangle" w="med" len="med"/>
-            </a:ln>
-          </p:spPr>
-          <p:style>
-            <a:lnRef idx="1">
-              <a:schemeClr val="accent1"/>
-            </a:lnRef>
-            <a:fillRef idx="0">
-              <a:schemeClr val="accent1"/>
-            </a:fillRef>
-            <a:effectRef idx="0">
-              <a:schemeClr val="accent1"/>
-            </a:effectRef>
-            <a:fontRef idx="minor">
-              <a:schemeClr val="tx1"/>
-            </a:fontRef>
-          </p:style>
-        </p:cxnSp>
-        <p:cxnSp>
-          <p:nvCxnSpPr>
-            <p:cNvPr id="49" name="직선 화살표 연결선 48"/>
-            <p:cNvCxnSpPr>
-              <a:stCxn id="19" idx="2"/>
-              <a:endCxn id="20" idx="0"/>
-            </p:cNvCxnSpPr>
-            <p:nvPr/>
-          </p:nvCxnSpPr>
-          <p:spPr>
-            <a:xfrm>
-              <a:off x="6238521" y="4653136"/>
-              <a:ext cx="0" cy="338204"/>
-            </a:xfrm>
-            <a:prstGeom prst="straightConnector1">
-              <a:avLst/>
-            </a:prstGeom>
-            <a:grpFill/>
-            <a:ln w="38100">
-              <a:solidFill>
-                <a:schemeClr val="tx1"/>
-              </a:solidFill>
-              <a:headEnd type="none" w="med" len="med"/>
-              <a:tailEnd type="triangle" w="med" len="med"/>
-            </a:ln>
-          </p:spPr>
-          <p:style>
-            <a:lnRef idx="1">
-              <a:schemeClr val="accent1"/>
-            </a:lnRef>
-            <a:fillRef idx="0">
-              <a:schemeClr val="accent1"/>
-            </a:fillRef>
-            <a:effectRef idx="0">
-              <a:schemeClr val="accent1"/>
-            </a:effectRef>
-            <a:fontRef idx="minor">
-              <a:schemeClr val="tx1"/>
-            </a:fontRef>
-          </p:style>
-        </p:cxnSp>
-        <p:cxnSp>
-          <p:nvCxnSpPr>
-            <p:cNvPr id="52" name="직선 화살표 연결선 51"/>
-            <p:cNvCxnSpPr>
-              <a:stCxn id="20" idx="1"/>
-              <a:endCxn id="22" idx="3"/>
-            </p:cNvCxnSpPr>
-            <p:nvPr/>
-          </p:nvCxnSpPr>
-          <p:spPr>
-            <a:xfrm flipH="1">
-              <a:off x="4283968" y="5495396"/>
-              <a:ext cx="622405" cy="0"/>
-            </a:xfrm>
-            <a:prstGeom prst="straightConnector1">
-              <a:avLst/>
-            </a:prstGeom>
-            <a:grpFill/>
-            <a:ln w="38100">
-              <a:solidFill>
-                <a:schemeClr val="tx1"/>
-              </a:solidFill>
-              <a:headEnd type="none" w="med" len="med"/>
-              <a:tailEnd type="triangle" w="med" len="med"/>
-            </a:ln>
-          </p:spPr>
-          <p:style>
-            <a:lnRef idx="1">
-              <a:schemeClr val="accent1"/>
-            </a:lnRef>
-            <a:fillRef idx="0">
-              <a:schemeClr val="accent1"/>
-            </a:fillRef>
-            <a:effectRef idx="0">
-              <a:schemeClr val="accent1"/>
-            </a:effectRef>
-            <a:fontRef idx="minor">
-              <a:schemeClr val="tx1"/>
-            </a:fontRef>
-          </p:style>
-        </p:cxnSp>
-      </p:grpSp>
     </p:spTree>
     <p:extLst>
       <p:ext uri="{BB962C8B-B14F-4D97-AF65-F5344CB8AC3E}">
-        <p14:creationId xmlns:p14="http://schemas.microsoft.com/office/powerpoint/2010/main" val="75819143"/>
+        <p14:creationId xmlns:p14="http://schemas.microsoft.com/office/powerpoint/2010/main" val="114697255"/>
       </p:ext>
     </p:extLst>
   </p:cSld>
